--- a/PLPTH813Bioinformatis/2021/labs/lab02_unix.pptx
+++ b/PLPTH813Bioinformatis/2021/labs/lab02_unix.pptx
@@ -233,7 +233,7 @@
           <a:p>
             <a:fld id="{08E6E0A8-E17C-C949-B17E-7A1A6494483A}" type="datetimeFigureOut">
               <a:rPr lang="en-US" smtClean="0"/>
-              <a:t>2/1/21</a:t>
+              <a:t>2/3/21</a:t>
             </a:fld>
             <a:endParaRPr lang="en-US"/>
           </a:p>
@@ -500,6 +500,134 @@
 </p:notesMaster>
 </file>
 
+<file path=ppt/notesSlides/notesSlide1.xml><?xml version="1.0" encoding="utf-8"?>
+<p:notes xmlns:a="http://schemas.openxmlformats.org/drawingml/2006/main" xmlns:r="http://schemas.openxmlformats.org/officeDocument/2006/relationships" xmlns:p="http://schemas.openxmlformats.org/presentationml/2006/main">
+  <p:cSld>
+    <p:spTree>
+      <p:nvGrpSpPr>
+        <p:cNvPr id="1" name=""/>
+        <p:cNvGrpSpPr/>
+        <p:nvPr/>
+      </p:nvGrpSpPr>
+      <p:grpSpPr>
+        <a:xfrm>
+          <a:off x="0" y="0"/>
+          <a:ext cx="0" cy="0"/>
+          <a:chOff x="0" y="0"/>
+          <a:chExt cx="0" cy="0"/>
+        </a:xfrm>
+      </p:grpSpPr>
+      <p:sp>
+        <p:nvSpPr>
+          <p:cNvPr id="2" name="Slide Image Placeholder 1"/>
+          <p:cNvSpPr>
+            <a:spLocks noGrp="1" noRot="1" noChangeAspect="1"/>
+          </p:cNvSpPr>
+          <p:nvPr>
+            <p:ph type="sldImg"/>
+          </p:nvPr>
+        </p:nvSpPr>
+        <p:spPr/>
+      </p:sp>
+      <p:sp>
+        <p:nvSpPr>
+          <p:cNvPr id="3" name="Notes Placeholder 2"/>
+          <p:cNvSpPr>
+            <a:spLocks noGrp="1"/>
+          </p:cNvSpPr>
+          <p:nvPr>
+            <p:ph type="body" idx="1"/>
+          </p:nvPr>
+        </p:nvSpPr>
+        <p:spPr/>
+        <p:txBody>
+          <a:bodyPr/>
+          <a:lstStyle/>
+          <a:p>
+            <a:pPr marL="0" indent="0">
+              <a:buNone/>
+            </a:pPr>
+            <a:r>
+              <a:rPr lang="en-US" dirty="0"/>
+              <a:t>paste </a:t>
+            </a:r>
+            <a:r>
+              <a:rPr lang="en-US" dirty="0" err="1"/>
+              <a:t>adult.txt</a:t>
+            </a:r>
+            <a:r>
+              <a:rPr lang="en-US" dirty="0"/>
+              <a:t> </a:t>
+            </a:r>
+            <a:r>
+              <a:rPr lang="en-US" dirty="0" err="1"/>
+              <a:t>youth.txt</a:t>
+            </a:r>
+            <a:r>
+              <a:rPr lang="en-US" dirty="0"/>
+              <a:t> &gt; </a:t>
+            </a:r>
+            <a:r>
+              <a:rPr lang="en-US" dirty="0" err="1"/>
+              <a:t>two.merge.txt</a:t>
+            </a:r>
+            <a:endParaRPr lang="en-US" dirty="0"/>
+          </a:p>
+          <a:p>
+            <a:pPr marL="0" indent="0">
+              <a:buNone/>
+            </a:pPr>
+            <a:r>
+              <a:rPr lang="en-US" dirty="0"/>
+              <a:t>less </a:t>
+            </a:r>
+            <a:r>
+              <a:rPr lang="en-US" dirty="0" err="1"/>
+              <a:t>two.merge.txt</a:t>
+            </a:r>
+            <a:endParaRPr lang="en-US" dirty="0"/>
+          </a:p>
+          <a:p>
+            <a:endParaRPr lang="en-US" dirty="0"/>
+          </a:p>
+        </p:txBody>
+      </p:sp>
+      <p:sp>
+        <p:nvSpPr>
+          <p:cNvPr id="4" name="Slide Number Placeholder 3"/>
+          <p:cNvSpPr>
+            <a:spLocks noGrp="1"/>
+          </p:cNvSpPr>
+          <p:nvPr>
+            <p:ph type="sldNum" sz="quarter" idx="5"/>
+          </p:nvPr>
+        </p:nvSpPr>
+        <p:spPr/>
+        <p:txBody>
+          <a:bodyPr/>
+          <a:lstStyle/>
+          <a:p>
+            <a:fld id="{DC2B8C24-ACAE-AE41-B565-178ED93271F0}" type="slidenum">
+              <a:rPr lang="en-US" smtClean="0"/>
+              <a:t>8</a:t>
+            </a:fld>
+            <a:endParaRPr lang="en-US"/>
+          </a:p>
+        </p:txBody>
+      </p:sp>
+    </p:spTree>
+    <p:extLst>
+      <p:ext uri="{BB962C8B-B14F-4D97-AF65-F5344CB8AC3E}">
+        <p14:creationId xmlns:p14="http://schemas.microsoft.com/office/powerpoint/2010/main" val="59912434"/>
+      </p:ext>
+    </p:extLst>
+  </p:cSld>
+  <p:clrMapOvr>
+    <a:masterClrMapping/>
+  </p:clrMapOvr>
+</p:notes>
+</file>
+
 <file path=ppt/slideLayouts/slideLayout1.xml><?xml version="1.0" encoding="utf-8"?>
 <p:sldLayout xmlns:a="http://schemas.openxmlformats.org/drawingml/2006/main" xmlns:r="http://schemas.openxmlformats.org/officeDocument/2006/relationships" xmlns:p="http://schemas.openxmlformats.org/presentationml/2006/main" type="title" preserve="1">
   <p:cSld name="Title Slide">
@@ -679,7 +807,7 @@
           <a:p>
             <a:fld id="{42B8B0BE-C8D7-EB48-AD68-71DB5002F24B}" type="datetimeFigureOut">
               <a:rPr lang="en-US" smtClean="0"/>
-              <a:t>2/1/21</a:t>
+              <a:t>2/3/21</a:t>
             </a:fld>
             <a:endParaRPr lang="en-US"/>
           </a:p>
@@ -847,7 +975,7 @@
           <a:p>
             <a:fld id="{42B8B0BE-C8D7-EB48-AD68-71DB5002F24B}" type="datetimeFigureOut">
               <a:rPr lang="en-US" smtClean="0"/>
-              <a:t>2/1/21</a:t>
+              <a:t>2/3/21</a:t>
             </a:fld>
             <a:endParaRPr lang="en-US"/>
           </a:p>
@@ -1025,7 +1153,7 @@
           <a:p>
             <a:fld id="{42B8B0BE-C8D7-EB48-AD68-71DB5002F24B}" type="datetimeFigureOut">
               <a:rPr lang="en-US" smtClean="0"/>
-              <a:t>2/1/21</a:t>
+              <a:t>2/3/21</a:t>
             </a:fld>
             <a:endParaRPr lang="en-US"/>
           </a:p>
@@ -1193,7 +1321,7 @@
           <a:p>
             <a:fld id="{42B8B0BE-C8D7-EB48-AD68-71DB5002F24B}" type="datetimeFigureOut">
               <a:rPr lang="en-US" smtClean="0"/>
-              <a:t>2/1/21</a:t>
+              <a:t>2/3/21</a:t>
             </a:fld>
             <a:endParaRPr lang="en-US"/>
           </a:p>
@@ -1438,7 +1566,7 @@
           <a:p>
             <a:fld id="{42B8B0BE-C8D7-EB48-AD68-71DB5002F24B}" type="datetimeFigureOut">
               <a:rPr lang="en-US" smtClean="0"/>
-              <a:t>2/1/21</a:t>
+              <a:t>2/3/21</a:t>
             </a:fld>
             <a:endParaRPr lang="en-US"/>
           </a:p>
@@ -1723,7 +1851,7 @@
           <a:p>
             <a:fld id="{42B8B0BE-C8D7-EB48-AD68-71DB5002F24B}" type="datetimeFigureOut">
               <a:rPr lang="en-US" smtClean="0"/>
-              <a:t>2/1/21</a:t>
+              <a:t>2/3/21</a:t>
             </a:fld>
             <a:endParaRPr lang="en-US"/>
           </a:p>
@@ -2142,7 +2270,7 @@
           <a:p>
             <a:fld id="{42B8B0BE-C8D7-EB48-AD68-71DB5002F24B}" type="datetimeFigureOut">
               <a:rPr lang="en-US" smtClean="0"/>
-              <a:t>2/1/21</a:t>
+              <a:t>2/3/21</a:t>
             </a:fld>
             <a:endParaRPr lang="en-US"/>
           </a:p>
@@ -2259,7 +2387,7 @@
           <a:p>
             <a:fld id="{42B8B0BE-C8D7-EB48-AD68-71DB5002F24B}" type="datetimeFigureOut">
               <a:rPr lang="en-US" smtClean="0"/>
-              <a:t>2/1/21</a:t>
+              <a:t>2/3/21</a:t>
             </a:fld>
             <a:endParaRPr lang="en-US"/>
           </a:p>
@@ -2354,7 +2482,7 @@
           <a:p>
             <a:fld id="{42B8B0BE-C8D7-EB48-AD68-71DB5002F24B}" type="datetimeFigureOut">
               <a:rPr lang="en-US" smtClean="0"/>
-              <a:t>2/1/21</a:t>
+              <a:t>2/3/21</a:t>
             </a:fld>
             <a:endParaRPr lang="en-US"/>
           </a:p>
@@ -2629,7 +2757,7 @@
           <a:p>
             <a:fld id="{42B8B0BE-C8D7-EB48-AD68-71DB5002F24B}" type="datetimeFigureOut">
               <a:rPr lang="en-US" smtClean="0"/>
-              <a:t>2/1/21</a:t>
+              <a:t>2/3/21</a:t>
             </a:fld>
             <a:endParaRPr lang="en-US"/>
           </a:p>
@@ -2881,7 +3009,7 @@
           <a:p>
             <a:fld id="{42B8B0BE-C8D7-EB48-AD68-71DB5002F24B}" type="datetimeFigureOut">
               <a:rPr lang="en-US" smtClean="0"/>
-              <a:t>2/1/21</a:t>
+              <a:t>2/3/21</a:t>
             </a:fld>
             <a:endParaRPr lang="en-US"/>
           </a:p>
@@ -3092,7 +3220,7 @@
           <a:p>
             <a:fld id="{42B8B0BE-C8D7-EB48-AD68-71DB5002F24B}" type="datetimeFigureOut">
               <a:rPr lang="en-US" smtClean="0"/>
-              <a:t>2/1/21</a:t>
+              <a:t>2/3/21</a:t>
             </a:fld>
             <a:endParaRPr lang="en-US"/>
           </a:p>
@@ -8278,7 +8406,7 @@
                 <a:latin typeface="Courier"/>
                 <a:cs typeface="Courier"/>
               </a:rPr>
-              <a:t>|---BA19</a:t>
+              <a:t>|---PLPTH813</a:t>
             </a:r>
           </a:p>
           <a:p>
@@ -8887,7 +9015,7 @@
             </a:r>
             <a:r>
               <a:rPr lang="en-US" sz="1300" dirty="0"/>
-              <a:t>/liu3zhenlab/teaching/raw/master/PLPTH813Bioinformatis/2019/data/</a:t>
+              <a:t>/liu3zhenlab/teaching/raw/master/PLPTH813Bioinformatis/2021/data/</a:t>
             </a:r>
             <a:r>
               <a:rPr lang="en-US" sz="1300" dirty="0" err="1"/>
@@ -9898,8 +10026,8 @@
         </p:nvSpPr>
         <p:spPr>
           <a:xfrm>
-            <a:off x="825439" y="1512623"/>
-            <a:ext cx="7922138" cy="3845277"/>
+            <a:off x="764662" y="1148350"/>
+            <a:ext cx="7922138" cy="2814050"/>
           </a:xfrm>
         </p:spPr>
         <p:txBody>
@@ -9918,103 +10046,120 @@
               <a:buNone/>
             </a:pPr>
             <a:r>
-              <a:rPr lang="en-US" sz="2000" dirty="0"/>
+              <a:rPr lang="en-US" dirty="0"/>
               <a:t>cat </a:t>
             </a:r>
             <a:r>
-              <a:rPr lang="en-US" sz="2000" dirty="0" err="1"/>
+              <a:rPr lang="en-US" dirty="0" err="1"/>
               <a:t>adult.txt</a:t>
             </a:r>
             <a:r>
-              <a:rPr lang="en-US" sz="2000" dirty="0"/>
+              <a:rPr lang="en-US" dirty="0"/>
               <a:t> </a:t>
             </a:r>
             <a:r>
-              <a:rPr lang="en-US" sz="2000" dirty="0" err="1"/>
+              <a:rPr lang="en-US" dirty="0" err="1"/>
               <a:t>youth.txt</a:t>
             </a:r>
             <a:r>
-              <a:rPr lang="en-US" sz="2000" dirty="0"/>
+              <a:rPr lang="en-US" dirty="0"/>
               <a:t> &gt; </a:t>
             </a:r>
             <a:r>
-              <a:rPr lang="en-US" sz="2000" dirty="0" err="1"/>
+              <a:rPr lang="en-US" dirty="0" err="1"/>
               <a:t>two.cat.txt</a:t>
             </a:r>
-            <a:endParaRPr lang="en-US" sz="2000" dirty="0"/>
-          </a:p>
-          <a:p>
-            <a:pPr marL="0" indent="0">
-              <a:buNone/>
-            </a:pPr>
-            <a:r>
-              <a:rPr lang="en-US" sz="2000" dirty="0"/>
+            <a:endParaRPr lang="en-US" dirty="0"/>
+          </a:p>
+          <a:p>
+            <a:pPr marL="0" indent="0">
+              <a:buNone/>
+            </a:pPr>
+            <a:r>
+              <a:rPr lang="en-US" dirty="0"/>
               <a:t>less </a:t>
             </a:r>
             <a:r>
-              <a:rPr lang="en-US" sz="2000" dirty="0" err="1"/>
+              <a:rPr lang="en-US" dirty="0" err="1"/>
               <a:t>two.cat.txt</a:t>
             </a:r>
-            <a:endParaRPr lang="en-US" sz="2000" dirty="0"/>
-          </a:p>
-          <a:p>
-            <a:pPr marL="0" indent="0">
-              <a:buNone/>
-            </a:pPr>
             <a:endParaRPr lang="en-US" dirty="0"/>
           </a:p>
           <a:p>
+            <a:pPr marL="0" indent="0">
+              <a:buNone/>
+            </a:pPr>
             <a:endParaRPr lang="en-US" dirty="0"/>
           </a:p>
           <a:p>
+            <a:endParaRPr lang="en-US" dirty="0"/>
+          </a:p>
+          <a:p>
             <a:r>
               <a:rPr lang="en-US" dirty="0"/>
-              <a:t>paste</a:t>
-            </a:r>
-          </a:p>
-          <a:p>
-            <a:pPr marL="0" indent="0">
-              <a:buNone/>
-            </a:pPr>
-            <a:r>
-              <a:rPr lang="en-US" sz="2000" dirty="0"/>
-              <a:t>paste </a:t>
-            </a:r>
-            <a:r>
-              <a:rPr lang="en-US" sz="2000" dirty="0" err="1"/>
+              <a:t>paste: concatenate data side by side from files </a:t>
+            </a:r>
+          </a:p>
+        </p:txBody>
+      </p:sp>
+      <p:sp>
+        <p:nvSpPr>
+          <p:cNvPr id="4" name="TextBox 3">
+            <a:extLst>
+              <a:ext uri="{FF2B5EF4-FFF2-40B4-BE49-F238E27FC236}">
+                <a16:creationId xmlns:a16="http://schemas.microsoft.com/office/drawing/2014/main" id="{7B8A53F0-5FAF-D543-A975-75D5C5EBE4B3}"/>
+              </a:ext>
+            </a:extLst>
+          </p:cNvPr>
+          <p:cNvSpPr txBox="1"/>
+          <p:nvPr/>
+        </p:nvSpPr>
+        <p:spPr>
+          <a:xfrm>
+            <a:off x="660583" y="4063125"/>
+            <a:ext cx="7598753" cy="830997"/>
+          </a:xfrm>
+          <a:prstGeom prst="rect">
+            <a:avLst/>
+          </a:prstGeom>
+          <a:noFill/>
+        </p:spPr>
+        <p:txBody>
+          <a:bodyPr wrap="square" rtlCol="0">
+            <a:spAutoFit/>
+          </a:bodyPr>
+          <a:lstStyle/>
+          <a:p>
+            <a:r>
+              <a:rPr lang="en-US" sz="2400" b="1" dirty="0"/>
+              <a:t>Problem</a:t>
+            </a:r>
+            <a:r>
+              <a:rPr lang="en-US" sz="2400" dirty="0"/>
+              <a:t>:</a:t>
+            </a:r>
+          </a:p>
+          <a:p>
+            <a:r>
+              <a:rPr lang="en-US" sz="2400" dirty="0"/>
+              <a:t>use “paste” to put “</a:t>
+            </a:r>
+            <a:r>
+              <a:rPr lang="en-US" sz="2400" dirty="0" err="1"/>
               <a:t>adult.txt</a:t>
             </a:r>
             <a:r>
-              <a:rPr lang="en-US" sz="2000" dirty="0"/>
-              <a:t> </a:t>
-            </a:r>
-            <a:r>
-              <a:rPr lang="en-US" sz="2000" dirty="0" err="1"/>
+              <a:rPr lang="en-US" sz="2400" dirty="0"/>
+              <a:t>” and ”</a:t>
+            </a:r>
+            <a:r>
+              <a:rPr lang="en-US" sz="2400" dirty="0" err="1"/>
               <a:t>youth.txt</a:t>
             </a:r>
             <a:r>
-              <a:rPr lang="en-US" sz="2000" dirty="0"/>
-              <a:t> &gt; </a:t>
-            </a:r>
-            <a:r>
-              <a:rPr lang="en-US" sz="2000" dirty="0" err="1"/>
-              <a:t>two.merge.txt</a:t>
-            </a:r>
-            <a:endParaRPr lang="en-US" sz="2000" dirty="0"/>
-          </a:p>
-          <a:p>
-            <a:pPr marL="0" indent="0">
-              <a:buNone/>
-            </a:pPr>
-            <a:r>
-              <a:rPr lang="en-US" sz="2000" dirty="0"/>
-              <a:t>less </a:t>
-            </a:r>
-            <a:r>
-              <a:rPr lang="en-US" sz="2000" dirty="0" err="1"/>
-              <a:t>two.merge.txt</a:t>
-            </a:r>
-            <a:endParaRPr lang="en-US" sz="2000" dirty="0"/>
+              <a:rPr lang="en-US" sz="2400" dirty="0"/>
+              <a:t>” side by side</a:t>
+            </a:r>
           </a:p>
         </p:txBody>
       </p:sp>

--- a/PLPTH813Bioinformatis/2021/labs/lab02_unix.pptx
+++ b/PLPTH813Bioinformatis/2021/labs/lab02_unix.pptx
@@ -233,7 +233,7 @@
           <a:p>
             <a:fld id="{08E6E0A8-E17C-C949-B17E-7A1A6494483A}" type="datetimeFigureOut">
               <a:rPr lang="en-US" smtClean="0"/>
-              <a:t>2/3/21</a:t>
+              <a:t>2/4/21</a:t>
             </a:fld>
             <a:endParaRPr lang="en-US"/>
           </a:p>
@@ -807,7 +807,7 @@
           <a:p>
             <a:fld id="{42B8B0BE-C8D7-EB48-AD68-71DB5002F24B}" type="datetimeFigureOut">
               <a:rPr lang="en-US" smtClean="0"/>
-              <a:t>2/3/21</a:t>
+              <a:t>2/4/21</a:t>
             </a:fld>
             <a:endParaRPr lang="en-US"/>
           </a:p>
@@ -975,7 +975,7 @@
           <a:p>
             <a:fld id="{42B8B0BE-C8D7-EB48-AD68-71DB5002F24B}" type="datetimeFigureOut">
               <a:rPr lang="en-US" smtClean="0"/>
-              <a:t>2/3/21</a:t>
+              <a:t>2/4/21</a:t>
             </a:fld>
             <a:endParaRPr lang="en-US"/>
           </a:p>
@@ -1153,7 +1153,7 @@
           <a:p>
             <a:fld id="{42B8B0BE-C8D7-EB48-AD68-71DB5002F24B}" type="datetimeFigureOut">
               <a:rPr lang="en-US" smtClean="0"/>
-              <a:t>2/3/21</a:t>
+              <a:t>2/4/21</a:t>
             </a:fld>
             <a:endParaRPr lang="en-US"/>
           </a:p>
@@ -1321,7 +1321,7 @@
           <a:p>
             <a:fld id="{42B8B0BE-C8D7-EB48-AD68-71DB5002F24B}" type="datetimeFigureOut">
               <a:rPr lang="en-US" smtClean="0"/>
-              <a:t>2/3/21</a:t>
+              <a:t>2/4/21</a:t>
             </a:fld>
             <a:endParaRPr lang="en-US"/>
           </a:p>
@@ -1566,7 +1566,7 @@
           <a:p>
             <a:fld id="{42B8B0BE-C8D7-EB48-AD68-71DB5002F24B}" type="datetimeFigureOut">
               <a:rPr lang="en-US" smtClean="0"/>
-              <a:t>2/3/21</a:t>
+              <a:t>2/4/21</a:t>
             </a:fld>
             <a:endParaRPr lang="en-US"/>
           </a:p>
@@ -1851,7 +1851,7 @@
           <a:p>
             <a:fld id="{42B8B0BE-C8D7-EB48-AD68-71DB5002F24B}" type="datetimeFigureOut">
               <a:rPr lang="en-US" smtClean="0"/>
-              <a:t>2/3/21</a:t>
+              <a:t>2/4/21</a:t>
             </a:fld>
             <a:endParaRPr lang="en-US"/>
           </a:p>
@@ -2270,7 +2270,7 @@
           <a:p>
             <a:fld id="{42B8B0BE-C8D7-EB48-AD68-71DB5002F24B}" type="datetimeFigureOut">
               <a:rPr lang="en-US" smtClean="0"/>
-              <a:t>2/3/21</a:t>
+              <a:t>2/4/21</a:t>
             </a:fld>
             <a:endParaRPr lang="en-US"/>
           </a:p>
@@ -2387,7 +2387,7 @@
           <a:p>
             <a:fld id="{42B8B0BE-C8D7-EB48-AD68-71DB5002F24B}" type="datetimeFigureOut">
               <a:rPr lang="en-US" smtClean="0"/>
-              <a:t>2/3/21</a:t>
+              <a:t>2/4/21</a:t>
             </a:fld>
             <a:endParaRPr lang="en-US"/>
           </a:p>
@@ -2482,7 +2482,7 @@
           <a:p>
             <a:fld id="{42B8B0BE-C8D7-EB48-AD68-71DB5002F24B}" type="datetimeFigureOut">
               <a:rPr lang="en-US" smtClean="0"/>
-              <a:t>2/3/21</a:t>
+              <a:t>2/4/21</a:t>
             </a:fld>
             <a:endParaRPr lang="en-US"/>
           </a:p>
@@ -2757,7 +2757,7 @@
           <a:p>
             <a:fld id="{42B8B0BE-C8D7-EB48-AD68-71DB5002F24B}" type="datetimeFigureOut">
               <a:rPr lang="en-US" smtClean="0"/>
-              <a:t>2/3/21</a:t>
+              <a:t>2/4/21</a:t>
             </a:fld>
             <a:endParaRPr lang="en-US"/>
           </a:p>
@@ -3009,7 +3009,7 @@
           <a:p>
             <a:fld id="{42B8B0BE-C8D7-EB48-AD68-71DB5002F24B}" type="datetimeFigureOut">
               <a:rPr lang="en-US" smtClean="0"/>
-              <a:t>2/3/21</a:t>
+              <a:t>2/4/21</a:t>
             </a:fld>
             <a:endParaRPr lang="en-US"/>
           </a:p>
@@ -3220,7 +3220,7 @@
           <a:p>
             <a:fld id="{42B8B0BE-C8D7-EB48-AD68-71DB5002F24B}" type="datetimeFigureOut">
               <a:rPr lang="en-US" smtClean="0"/>
-              <a:t>2/3/21</a:t>
+              <a:t>2/4/21</a:t>
             </a:fld>
             <a:endParaRPr lang="en-US"/>
           </a:p>
@@ -4017,12 +4017,8 @@
               <a:buNone/>
             </a:pPr>
             <a:r>
-              <a:rPr lang="en-US" dirty="0" err="1"/>
-              <a:t>grep</a:t>
-            </a:r>
-            <a:r>
               <a:rPr lang="en-US" dirty="0"/>
-              <a:t> "#" -v </a:t>
+              <a:t>grep "#" -v </a:t>
             </a:r>
             <a:r>
               <a:rPr lang="en-US" dirty="0" err="1"/>
@@ -9525,18 +9521,11 @@
           <a:lstStyle/>
           <a:p>
             <a:r>
-              <a:rPr lang="en-US" dirty="0" err="1">
-                <a:latin typeface="Courier"/>
-                <a:cs typeface="Courier"/>
-              </a:rPr>
-              <a:t>cp</a:t>
-            </a:r>
-            <a:r>
               <a:rPr lang="en-US" dirty="0">
                 <a:latin typeface="Courier"/>
                 <a:cs typeface="Courier"/>
               </a:rPr>
-              <a:t>  /homes/liu3zhen/teaching/datasets/</a:t>
+              <a:t>cp /homes/liu3zhen/teaching/datasets/</a:t>
             </a:r>
             <a:r>
               <a:rPr lang="en-US" dirty="0" err="1">

--- a/PLPTH813Bioinformatis/2021/labs/lab02_unix.pptx
+++ b/PLPTH813Bioinformatis/2021/labs/lab02_unix.pptx
@@ -233,7 +233,7 @@
           <a:p>
             <a:fld id="{08E6E0A8-E17C-C949-B17E-7A1A6494483A}" type="datetimeFigureOut">
               <a:rPr lang="en-US" smtClean="0"/>
-              <a:t>2/4/21</a:t>
+              <a:t>2/11/21</a:t>
             </a:fld>
             <a:endParaRPr lang="en-US"/>
           </a:p>
@@ -807,7 +807,7 @@
           <a:p>
             <a:fld id="{42B8B0BE-C8D7-EB48-AD68-71DB5002F24B}" type="datetimeFigureOut">
               <a:rPr lang="en-US" smtClean="0"/>
-              <a:t>2/4/21</a:t>
+              <a:t>2/11/21</a:t>
             </a:fld>
             <a:endParaRPr lang="en-US"/>
           </a:p>
@@ -975,7 +975,7 @@
           <a:p>
             <a:fld id="{42B8B0BE-C8D7-EB48-AD68-71DB5002F24B}" type="datetimeFigureOut">
               <a:rPr lang="en-US" smtClean="0"/>
-              <a:t>2/4/21</a:t>
+              <a:t>2/11/21</a:t>
             </a:fld>
             <a:endParaRPr lang="en-US"/>
           </a:p>
@@ -1153,7 +1153,7 @@
           <a:p>
             <a:fld id="{42B8B0BE-C8D7-EB48-AD68-71DB5002F24B}" type="datetimeFigureOut">
               <a:rPr lang="en-US" smtClean="0"/>
-              <a:t>2/4/21</a:t>
+              <a:t>2/11/21</a:t>
             </a:fld>
             <a:endParaRPr lang="en-US"/>
           </a:p>
@@ -1321,7 +1321,7 @@
           <a:p>
             <a:fld id="{42B8B0BE-C8D7-EB48-AD68-71DB5002F24B}" type="datetimeFigureOut">
               <a:rPr lang="en-US" smtClean="0"/>
-              <a:t>2/4/21</a:t>
+              <a:t>2/11/21</a:t>
             </a:fld>
             <a:endParaRPr lang="en-US"/>
           </a:p>
@@ -1566,7 +1566,7 @@
           <a:p>
             <a:fld id="{42B8B0BE-C8D7-EB48-AD68-71DB5002F24B}" type="datetimeFigureOut">
               <a:rPr lang="en-US" smtClean="0"/>
-              <a:t>2/4/21</a:t>
+              <a:t>2/11/21</a:t>
             </a:fld>
             <a:endParaRPr lang="en-US"/>
           </a:p>
@@ -1851,7 +1851,7 @@
           <a:p>
             <a:fld id="{42B8B0BE-C8D7-EB48-AD68-71DB5002F24B}" type="datetimeFigureOut">
               <a:rPr lang="en-US" smtClean="0"/>
-              <a:t>2/4/21</a:t>
+              <a:t>2/11/21</a:t>
             </a:fld>
             <a:endParaRPr lang="en-US"/>
           </a:p>
@@ -2270,7 +2270,7 @@
           <a:p>
             <a:fld id="{42B8B0BE-C8D7-EB48-AD68-71DB5002F24B}" type="datetimeFigureOut">
               <a:rPr lang="en-US" smtClean="0"/>
-              <a:t>2/4/21</a:t>
+              <a:t>2/11/21</a:t>
             </a:fld>
             <a:endParaRPr lang="en-US"/>
           </a:p>
@@ -2387,7 +2387,7 @@
           <a:p>
             <a:fld id="{42B8B0BE-C8D7-EB48-AD68-71DB5002F24B}" type="datetimeFigureOut">
               <a:rPr lang="en-US" smtClean="0"/>
-              <a:t>2/4/21</a:t>
+              <a:t>2/11/21</a:t>
             </a:fld>
             <a:endParaRPr lang="en-US"/>
           </a:p>
@@ -2482,7 +2482,7 @@
           <a:p>
             <a:fld id="{42B8B0BE-C8D7-EB48-AD68-71DB5002F24B}" type="datetimeFigureOut">
               <a:rPr lang="en-US" smtClean="0"/>
-              <a:t>2/4/21</a:t>
+              <a:t>2/11/21</a:t>
             </a:fld>
             <a:endParaRPr lang="en-US"/>
           </a:p>
@@ -2757,7 +2757,7 @@
           <a:p>
             <a:fld id="{42B8B0BE-C8D7-EB48-AD68-71DB5002F24B}" type="datetimeFigureOut">
               <a:rPr lang="en-US" smtClean="0"/>
-              <a:t>2/4/21</a:t>
+              <a:t>2/11/21</a:t>
             </a:fld>
             <a:endParaRPr lang="en-US"/>
           </a:p>
@@ -3009,7 +3009,7 @@
           <a:p>
             <a:fld id="{42B8B0BE-C8D7-EB48-AD68-71DB5002F24B}" type="datetimeFigureOut">
               <a:rPr lang="en-US" smtClean="0"/>
-              <a:t>2/4/21</a:t>
+              <a:t>2/11/21</a:t>
             </a:fld>
             <a:endParaRPr lang="en-US"/>
           </a:p>
@@ -3220,7 +3220,7 @@
           <a:p>
             <a:fld id="{42B8B0BE-C8D7-EB48-AD68-71DB5002F24B}" type="datetimeFigureOut">
               <a:rPr lang="en-US" smtClean="0"/>
-              <a:t>2/4/21</a:t>
+              <a:t>2/11/21</a:t>
             </a:fld>
             <a:endParaRPr lang="en-US"/>
           </a:p>
@@ -4383,6 +4383,44 @@
           </a:p>
         </p:txBody>
       </p:sp>
+      <p:sp>
+        <p:nvSpPr>
+          <p:cNvPr id="4" name="TextBox 3">
+            <a:extLst>
+              <a:ext uri="{FF2B5EF4-FFF2-40B4-BE49-F238E27FC236}">
+                <a16:creationId xmlns:a16="http://schemas.microsoft.com/office/drawing/2014/main" id="{409D1411-669C-D940-9E1F-FD7EA5DC5151}"/>
+              </a:ext>
+            </a:extLst>
+          </p:cNvPr>
+          <p:cNvSpPr txBox="1"/>
+          <p:nvPr/>
+        </p:nvSpPr>
+        <p:spPr>
+          <a:xfrm>
+            <a:off x="3039035" y="5082988"/>
+            <a:ext cx="2756647" cy="1323439"/>
+          </a:xfrm>
+          <a:prstGeom prst="rect">
+            <a:avLst/>
+          </a:prstGeom>
+          <a:noFill/>
+        </p:spPr>
+        <p:txBody>
+          <a:bodyPr wrap="square" rtlCol="0">
+            <a:spAutoFit/>
+          </a:bodyPr>
+          <a:lstStyle/>
+          <a:p>
+            <a:r>
+              <a:rPr lang="en-US" sz="4000" dirty="0"/>
+              <a:t>:%s/ /\t/g</a:t>
+            </a:r>
+          </a:p>
+          <a:p>
+            <a:endParaRPr lang="en-US" sz="4000" b="1" dirty="0"/>
+          </a:p>
+        </p:txBody>
+      </p:sp>
     </p:spTree>
     <p:extLst>
       <p:ext uri="{BB962C8B-B14F-4D97-AF65-F5344CB8AC3E}">
@@ -5140,6 +5178,55 @@
           </a:p>
         </p:txBody>
       </p:sp>
+      <p:sp>
+        <p:nvSpPr>
+          <p:cNvPr id="5" name="TextBox 4">
+            <a:extLst>
+              <a:ext uri="{FF2B5EF4-FFF2-40B4-BE49-F238E27FC236}">
+                <a16:creationId xmlns:a16="http://schemas.microsoft.com/office/drawing/2014/main" id="{4CF24953-EFD8-494E-B897-61869CF37AD3}"/>
+              </a:ext>
+            </a:extLst>
+          </p:cNvPr>
+          <p:cNvSpPr txBox="1"/>
+          <p:nvPr/>
+        </p:nvSpPr>
+        <p:spPr>
+          <a:xfrm>
+            <a:off x="1705288" y="6236219"/>
+            <a:ext cx="6636753" cy="461665"/>
+          </a:xfrm>
+          <a:prstGeom prst="rect">
+            <a:avLst/>
+          </a:prstGeom>
+          <a:noFill/>
+        </p:spPr>
+        <p:txBody>
+          <a:bodyPr wrap="none" rtlCol="0">
+            <a:spAutoFit/>
+          </a:bodyPr>
+          <a:lstStyle/>
+          <a:p>
+            <a:r>
+              <a:rPr lang="en-US" sz="2400" dirty="0">
+                <a:latin typeface="Courier" pitchFamily="2" charset="0"/>
+              </a:rPr>
+              <a:t>Try:  sort -k 1,1 -k2n,2 </a:t>
+            </a:r>
+            <a:r>
+              <a:rPr lang="en-US" sz="2400" dirty="0" err="1">
+                <a:latin typeface="Courier" pitchFamily="2" charset="0"/>
+              </a:rPr>
+              <a:t>fruit.txt</a:t>
+            </a:r>
+            <a:r>
+              <a:rPr lang="en-US" sz="2400" dirty="0">
+                <a:latin typeface="Courier" pitchFamily="2" charset="0"/>
+              </a:rPr>
+              <a:t> </a:t>
+            </a:r>
+          </a:p>
+        </p:txBody>
+      </p:sp>
     </p:spTree>
     <p:extLst>
       <p:ext uri="{BB962C8B-B14F-4D97-AF65-F5344CB8AC3E}">
@@ -5976,6 +6063,41 @@
           </a:p>
         </p:txBody>
       </p:sp>
+      <p:sp>
+        <p:nvSpPr>
+          <p:cNvPr id="6" name="TextBox 5">
+            <a:extLst>
+              <a:ext uri="{FF2B5EF4-FFF2-40B4-BE49-F238E27FC236}">
+                <a16:creationId xmlns:a16="http://schemas.microsoft.com/office/drawing/2014/main" id="{EB61DE95-A30D-FC43-8FD6-154BD7DB75D4}"/>
+              </a:ext>
+            </a:extLst>
+          </p:cNvPr>
+          <p:cNvSpPr txBox="1"/>
+          <p:nvPr/>
+        </p:nvSpPr>
+        <p:spPr>
+          <a:xfrm>
+            <a:off x="838200" y="5798492"/>
+            <a:ext cx="6752426" cy="461665"/>
+          </a:xfrm>
+          <a:prstGeom prst="rect">
+            <a:avLst/>
+          </a:prstGeom>
+          <a:noFill/>
+        </p:spPr>
+        <p:txBody>
+          <a:bodyPr wrap="none" rtlCol="0">
+            <a:spAutoFit/>
+          </a:bodyPr>
+          <a:lstStyle/>
+          <a:p>
+            <a:r>
+              <a:rPr lang="en-US" sz="2400" dirty="0"/>
+              <a:t>“g” indicates the replacement of all matches in a line</a:t>
+            </a:r>
+          </a:p>
+        </p:txBody>
+      </p:sp>
     </p:spTree>
     <p:extLst>
       <p:ext uri="{BB962C8B-B14F-4D97-AF65-F5344CB8AC3E}">
@@ -7903,7 +8025,51 @@
             </a:pPr>
             <a:r>
               <a:rPr lang="en-US" sz="3200" dirty="0"/>
-              <a:t>work with your neighbors and see if you can see your neighbor's data</a:t>
+              <a:t>work with your “neighbors” and see if you can see your neighbor's data</a:t>
+            </a:r>
+          </a:p>
+        </p:txBody>
+      </p:sp>
+      <p:sp>
+        <p:nvSpPr>
+          <p:cNvPr id="4" name="TextBox 3">
+            <a:extLst>
+              <a:ext uri="{FF2B5EF4-FFF2-40B4-BE49-F238E27FC236}">
+                <a16:creationId xmlns:a16="http://schemas.microsoft.com/office/drawing/2014/main" id="{16538E14-D82C-2041-9AC2-29404EE1DD71}"/>
+              </a:ext>
+            </a:extLst>
+          </p:cNvPr>
+          <p:cNvSpPr txBox="1"/>
+          <p:nvPr/>
+        </p:nvSpPr>
+        <p:spPr>
+          <a:xfrm>
+            <a:off x="2681899" y="4047214"/>
+            <a:ext cx="3780202" cy="1754326"/>
+          </a:xfrm>
+          <a:prstGeom prst="rect">
+            <a:avLst/>
+          </a:prstGeom>
+          <a:noFill/>
+        </p:spPr>
+        <p:txBody>
+          <a:bodyPr wrap="none" rtlCol="0">
+            <a:spAutoFit/>
+          </a:bodyPr>
+          <a:lstStyle/>
+          <a:p>
+            <a:r>
+              <a:rPr lang="en-US" sz="3600" dirty="0"/>
+              <a:t>liu3zhen</a:t>
+            </a:r>
+          </a:p>
+          <a:p>
+            <a:endParaRPr lang="en-US" sz="3600" dirty="0"/>
+          </a:p>
+          <a:p>
+            <a:r>
+              <a:rPr lang="en-US" sz="3600" dirty="0"/>
+              <a:t>ls /homes/liu3zhen</a:t>
             </a:r>
           </a:p>
         </p:txBody>
@@ -8448,7 +8614,7 @@
         </p:nvSpPr>
         <p:spPr>
           <a:xfrm>
-            <a:off x="3027988" y="3071091"/>
+            <a:off x="2805352" y="2999530"/>
             <a:ext cx="2655454" cy="3170099"/>
           </a:xfrm>
           <a:prstGeom prst="rect">
